--- a/Urban_Air_Pollution.pptx
+++ b/Urban_Air_Pollution.pptx
@@ -10536,7 +10536,7 @@
             <a:tbl>
               <a:tblPr>
                 <a:noFill/>
-                <a:tableStyleId>{4E3A3A12-EC15-454F-A0A6-0C581D6EFC69}</a:tableStyleId>
+                <a:tableStyleId>{57B27BC3-087C-4DF7-AC5F-DAC4CC034270}</a:tableStyleId>
               </a:tblPr>
               <a:tblGrid>
                 <a:gridCol w="1430150"/>
@@ -11006,7 +11006,7 @@
             <a:tbl>
               <a:tblPr>
                 <a:noFill/>
-                <a:tableStyleId>{4E3A3A12-EC15-454F-A0A6-0C581D6EFC69}</a:tableStyleId>
+                <a:tableStyleId>{57B27BC3-087C-4DF7-AC5F-DAC4CC034270}</a:tableStyleId>
               </a:tblPr>
               <a:tblGrid>
                 <a:gridCol w="1430150"/>
@@ -11477,7 +11477,7 @@
             <a:tbl>
               <a:tblPr>
                 <a:noFill/>
-                <a:tableStyleId>{4E3A3A12-EC15-454F-A0A6-0C581D6EFC69}</a:tableStyleId>
+                <a:tableStyleId>{57B27BC3-087C-4DF7-AC5F-DAC4CC034270}</a:tableStyleId>
               </a:tblPr>
               <a:tblGrid>
                 <a:gridCol w="1430150"/>
@@ -11994,7 +11994,7 @@
                 <a:cs typeface="Helvetica Neue"/>
                 <a:sym typeface="Helvetica Neue"/>
               </a:rPr>
-              <a:t>Measure of feature importance is determined by how much a feature improves the model’s split quality (Gain)</a:t>
+              <a:t>Measure of feature importance is determined by how much a feature improves the model’s split quality (Gain) in terms of error</a:t>
             </a:r>
             <a:endParaRPr i="1" sz="1800">
               <a:solidFill>
@@ -12055,7 +12055,7 @@
                 <a:cs typeface="Helvetica Neue"/>
                 <a:sym typeface="Helvetica Neue"/>
               </a:rPr>
-              <a:t>Gain provides insight into the effectiveness of a feature in reducing prediction errors.</a:t>
+              <a:t>Here, gain calculates the average improvement in RMSE gained by each split made on a feature</a:t>
             </a:r>
             <a:endParaRPr i="1" sz="1800">
               <a:solidFill>
@@ -12492,7 +12492,7 @@
           <p:nvPr/>
         </p:nvGraphicFramePr>
         <p:xfrm>
-          <a:off x="303300" y="2467825"/>
+          <a:off x="303300" y="1858225"/>
           <a:ext cx="3000000" cy="3000000"/>
         </p:xfrm>
         <a:graphic>
@@ -12500,7 +12500,7 @@
             <a:tbl>
               <a:tblPr>
                 <a:noFill/>
-                <a:tableStyleId>{4E3A3A12-EC15-454F-A0A6-0C581D6EFC69}</a:tableStyleId>
+                <a:tableStyleId>{57B27BC3-087C-4DF7-AC5F-DAC4CC034270}</a:tableStyleId>
               </a:tblPr>
               <a:tblGrid>
                 <a:gridCol w="823925"/>
@@ -12679,7 +12679,7 @@
                     <a:bodyPr/>
                     <a:lstStyle/>
                     <a:p>
-                      <a:pPr indent="0" lvl="0" marL="0" rtl="0" algn="l">
+                      <a:pPr indent="0" lvl="0" marL="0" rtl="0" algn="ctr">
                         <a:spcBef>
                           <a:spcPts val="0"/>
                         </a:spcBef>
@@ -12702,7 +12702,7 @@
                     <a:bodyPr/>
                     <a:lstStyle/>
                     <a:p>
-                      <a:pPr indent="0" lvl="0" marL="0" rtl="0" algn="l">
+                      <a:pPr indent="0" lvl="0" marL="0" rtl="0" algn="ctr">
                         <a:spcBef>
                           <a:spcPts val="0"/>
                         </a:spcBef>
@@ -12725,7 +12725,7 @@
                     <a:bodyPr/>
                     <a:lstStyle/>
                     <a:p>
-                      <a:pPr indent="0" lvl="0" marL="0" rtl="0" algn="l">
+                      <a:pPr indent="0" lvl="0" marL="0" rtl="0" algn="ctr">
                         <a:spcBef>
                           <a:spcPts val="0"/>
                         </a:spcBef>
@@ -12748,7 +12748,7 @@
                     <a:bodyPr/>
                     <a:lstStyle/>
                     <a:p>
-                      <a:pPr indent="0" lvl="0" marL="0" rtl="0" algn="l">
+                      <a:pPr indent="0" lvl="0" marL="0" rtl="0" algn="ctr">
                         <a:spcBef>
                           <a:spcPts val="0"/>
                         </a:spcBef>
@@ -12771,7 +12771,7 @@
                     <a:bodyPr/>
                     <a:lstStyle/>
                     <a:p>
-                      <a:pPr indent="0" lvl="0" marL="0" rtl="0" algn="l">
+                      <a:pPr indent="0" lvl="0" marL="0" rtl="0" algn="ctr">
                         <a:spcBef>
                           <a:spcPts val="0"/>
                         </a:spcBef>
@@ -12794,7 +12794,7 @@
                     <a:bodyPr/>
                     <a:lstStyle/>
                     <a:p>
-                      <a:pPr indent="0" lvl="0" marL="0" rtl="0" algn="l">
+                      <a:pPr indent="0" lvl="0" marL="0" rtl="0" algn="ctr">
                         <a:spcBef>
                           <a:spcPts val="0"/>
                         </a:spcBef>
@@ -12817,7 +12817,7 @@
                     <a:bodyPr/>
                     <a:lstStyle/>
                     <a:p>
-                      <a:pPr indent="0" lvl="0" marL="0" rtl="0" algn="l">
+                      <a:pPr indent="0" lvl="0" marL="0" rtl="0" algn="ctr">
                         <a:spcBef>
                           <a:spcPts val="0"/>
                         </a:spcBef>
@@ -12842,7 +12842,7 @@
                     <a:bodyPr/>
                     <a:lstStyle/>
                     <a:p>
-                      <a:pPr indent="0" lvl="0" marL="0" rtl="0" algn="l">
+                      <a:pPr indent="0" lvl="0" marL="0" rtl="0" algn="ctr">
                         <a:spcBef>
                           <a:spcPts val="0"/>
                         </a:spcBef>
@@ -12869,7 +12869,7 @@
                     <a:bodyPr/>
                     <a:lstStyle/>
                     <a:p>
-                      <a:pPr indent="0" lvl="0" marL="0" rtl="0" algn="l">
+                      <a:pPr indent="0" lvl="0" marL="0" rtl="0" algn="ctr">
                         <a:spcBef>
                           <a:spcPts val="0"/>
                         </a:spcBef>
@@ -12892,7 +12892,7 @@
                     <a:bodyPr/>
                     <a:lstStyle/>
                     <a:p>
-                      <a:pPr indent="0" lvl="0" marL="0" rtl="0" algn="l">
+                      <a:pPr indent="0" lvl="0" marL="0" rtl="0" algn="ctr">
                         <a:spcBef>
                           <a:spcPts val="0"/>
                         </a:spcBef>
@@ -12915,7 +12915,7 @@
                     <a:bodyPr/>
                     <a:lstStyle/>
                     <a:p>
-                      <a:pPr indent="0" lvl="0" marL="0" rtl="0" algn="l">
+                      <a:pPr indent="0" lvl="0" marL="0" rtl="0" algn="ctr">
                         <a:spcBef>
                           <a:spcPts val="0"/>
                         </a:spcBef>
@@ -12938,7 +12938,7 @@
                     <a:bodyPr/>
                     <a:lstStyle/>
                     <a:p>
-                      <a:pPr indent="0" lvl="0" marL="0" rtl="0" algn="l">
+                      <a:pPr indent="0" lvl="0" marL="0" rtl="0" algn="ctr">
                         <a:spcBef>
                           <a:spcPts val="0"/>
                         </a:spcBef>
@@ -12961,7 +12961,7 @@
                     <a:bodyPr/>
                     <a:lstStyle/>
                     <a:p>
-                      <a:pPr indent="0" lvl="0" marL="0" rtl="0" algn="l">
+                      <a:pPr indent="0" lvl="0" marL="0" rtl="0" algn="ctr">
                         <a:spcBef>
                           <a:spcPts val="0"/>
                         </a:spcBef>
@@ -12984,7 +12984,7 @@
                     <a:bodyPr/>
                     <a:lstStyle/>
                     <a:p>
-                      <a:pPr indent="0" lvl="0" marL="0" rtl="0" algn="l">
+                      <a:pPr indent="0" lvl="0" marL="0" rtl="0" algn="ctr">
                         <a:spcBef>
                           <a:spcPts val="0"/>
                         </a:spcBef>
@@ -13042,7 +13042,7 @@
               <a:buNone/>
             </a:pPr>
             <a:r>
-              <a:rPr lang="en" sz="1800">
+              <a:rPr i="1" lang="en" sz="1800">
                 <a:solidFill>
                   <a:schemeClr val="dk2"/>
                 </a:solidFill>
@@ -13051,9 +13051,9 @@
                 <a:cs typeface="Lato"/>
                 <a:sym typeface="Lato"/>
               </a:rPr>
-              <a:t>Test data</a:t>
-            </a:r>
-            <a:endParaRPr sz="1800">
+              <a:t>Results from test data</a:t>
+            </a:r>
+            <a:endParaRPr i="1" sz="1800">
               <a:solidFill>
                 <a:schemeClr val="dk2"/>
               </a:solidFill>
@@ -13151,8 +13151,8 @@
         </p:nvSpPr>
         <p:spPr>
           <a:xfrm>
-            <a:off x="452450" y="1593201"/>
-            <a:ext cx="8239200" cy="3312300"/>
+            <a:off x="452450" y="1439800"/>
+            <a:ext cx="8239200" cy="3465600"/>
           </a:xfrm>
           <a:prstGeom prst="rect">
             <a:avLst/>
@@ -13164,7 +13164,7 @@
         </p:spPr>
         <p:txBody>
           <a:bodyPr anchorCtr="0" anchor="t" bIns="19050" lIns="19050" spcFirstLastPara="1" rIns="19050" wrap="square" tIns="19050">
-            <a:normAutofit lnSpcReduction="10000"/>
+            <a:normAutofit lnSpcReduction="20000"/>
           </a:bodyPr>
           <a:lstStyle/>
           <a:p>
@@ -13358,6 +13358,29 @@
             </a:endParaRPr>
           </a:p>
           <a:p>
+            <a:pPr indent="0" lvl="0" marL="0" rtl="0" algn="l">
+              <a:lnSpc>
+                <a:spcPct val="90000"/>
+              </a:lnSpc>
+              <a:spcBef>
+                <a:spcPts val="0"/>
+              </a:spcBef>
+              <a:spcAft>
+                <a:spcPts val="0"/>
+              </a:spcAft>
+              <a:buNone/>
+            </a:pPr>
+            <a:r>
+              <a:t/>
+            </a:r>
+            <a:endParaRPr sz="1800">
+              <a:latin typeface="Helvetica Neue"/>
+              <a:ea typeface="Helvetica Neue"/>
+              <a:cs typeface="Helvetica Neue"/>
+              <a:sym typeface="Helvetica Neue"/>
+            </a:endParaRPr>
+          </a:p>
+          <a:p>
             <a:pPr indent="-342900" lvl="0" marL="457200" rtl="0" algn="l">
               <a:lnSpc>
                 <a:spcPct val="90000"/>
@@ -13381,6 +13404,14 @@
               </a:rPr>
               <a:t>Future methods that could lead to better predictions:</a:t>
             </a:r>
+            <a:br>
+              <a:rPr lang="en" sz="1800">
+                <a:latin typeface="Helvetica Neue"/>
+                <a:ea typeface="Helvetica Neue"/>
+                <a:cs typeface="Helvetica Neue"/>
+                <a:sym typeface="Helvetica Neue"/>
+              </a:rPr>
+            </a:br>
             <a:endParaRPr sz="1800">
               <a:latin typeface="Helvetica Neue"/>
               <a:ea typeface="Helvetica Neue"/>
@@ -13410,7 +13441,7 @@
                 <a:cs typeface="Helvetica Neue"/>
                 <a:sym typeface="Helvetica Neue"/>
               </a:rPr>
-              <a:t>Stacking / Ensemble Methods</a:t>
+              <a:t>Stacking / Further Ensemble Methods</a:t>
             </a:r>
             <a:endParaRPr i="1" sz="1800">
               <a:latin typeface="Helvetica Neue"/>
@@ -13472,7 +13503,38 @@
                 <a:cs typeface="Helvetica Neue"/>
                 <a:sym typeface="Helvetica Neue"/>
               </a:rPr>
-              <a:t>Weekend/Non-Weekend</a:t>
+              <a:t>Weekend/Non-Weekend Consideration</a:t>
+            </a:r>
+            <a:endParaRPr i="1" sz="1800">
+              <a:latin typeface="Helvetica Neue"/>
+              <a:ea typeface="Helvetica Neue"/>
+              <a:cs typeface="Helvetica Neue"/>
+              <a:sym typeface="Helvetica Neue"/>
+            </a:endParaRPr>
+          </a:p>
+          <a:p>
+            <a:pPr indent="-342900" lvl="1" marL="914400" rtl="0" algn="l">
+              <a:lnSpc>
+                <a:spcPct val="90000"/>
+              </a:lnSpc>
+              <a:spcBef>
+                <a:spcPts val="0"/>
+              </a:spcBef>
+              <a:spcAft>
+                <a:spcPts val="0"/>
+              </a:spcAft>
+              <a:buSzPts val="1800"/>
+              <a:buFont typeface="Helvetica Neue"/>
+              <a:buChar char="○"/>
+            </a:pPr>
+            <a:r>
+              <a:rPr i="1" lang="en" sz="1800">
+                <a:latin typeface="Helvetica Neue"/>
+                <a:ea typeface="Helvetica Neue"/>
+                <a:cs typeface="Helvetica Neue"/>
+                <a:sym typeface="Helvetica Neue"/>
+              </a:rPr>
+              <a:t>Extreme value removal</a:t>
             </a:r>
             <a:endParaRPr i="1" sz="1800">
               <a:latin typeface="Helvetica Neue"/>
@@ -13589,7 +13651,7 @@
         </p:nvSpPr>
         <p:spPr>
           <a:xfrm>
-            <a:off x="396675" y="1190025"/>
+            <a:off x="396675" y="1037625"/>
             <a:ext cx="8334900" cy="3408300"/>
           </a:xfrm>
           <a:prstGeom prst="rect">
@@ -13603,6 +13665,9 @@
           <a:lstStyle/>
           <a:p>
             <a:pPr indent="-317500" lvl="0" marL="457200" rtl="0" algn="l">
+              <a:lnSpc>
+                <a:spcPct val="150000"/>
+              </a:lnSpc>
               <a:spcBef>
                 <a:spcPts val="0"/>
               </a:spcBef>
@@ -13614,56 +13679,32 @@
             </a:pPr>
             <a:r>
               <a:rPr b="1" lang="en" sz="1400"/>
-              <a:t>PM2.5</a:t>
+              <a:t>PM2.5:</a:t>
             </a:r>
             <a:r>
               <a:rPr lang="en" sz="1400"/>
-              <a:t>  air pollution is a major environmental and health concern</a:t>
-            </a:r>
-            <a:endParaRPr sz="1400"/>
-          </a:p>
-          <a:p>
-            <a:pPr indent="-292100" lvl="1" marL="914400" rtl="0" algn="l">
-              <a:spcBef>
-                <a:spcPts val="0"/>
-              </a:spcBef>
-              <a:spcAft>
-                <a:spcPts val="0"/>
-              </a:spcAft>
-              <a:buSzPts val="1000"/>
-              <a:buChar char="○"/>
-            </a:pPr>
-            <a:r>
-              <a:rPr i="1" lang="en" sz="1000"/>
-              <a:t>While some regions saw improved air quality during COVID-19 lockdowns, others, especially in African cities, experienced worsening pollution.</a:t>
-            </a:r>
-            <a:br>
-              <a:rPr i="1" lang="en" sz="1000"/>
-            </a:br>
-            <a:endParaRPr i="1" sz="1000"/>
-          </a:p>
-          <a:p>
-            <a:pPr indent="-317500" lvl="0" marL="457200" rtl="0" algn="l">
-              <a:spcBef>
-                <a:spcPts val="0"/>
-              </a:spcBef>
-              <a:spcAft>
-                <a:spcPts val="0"/>
-              </a:spcAft>
-              <a:buSzPts val="1400"/>
-              <a:buChar char="●"/>
-            </a:pPr>
+              <a:t>  fine particulate air pollution &lt; 2.5  </a:t>
+            </a:r>
+            <a:r>
+              <a:rPr lang="en" sz="1400">
+                <a:latin typeface="Helvetica Neue"/>
+                <a:ea typeface="Helvetica Neue"/>
+                <a:cs typeface="Helvetica Neue"/>
+                <a:sym typeface="Helvetica Neue"/>
+              </a:rPr>
+              <a:t>μm</a:t>
+            </a:r>
             <a:r>
               <a:rPr lang="en" sz="1400"/>
-              <a:t>Accurate PM2.5 tracking is crucial, as poor air quality worsens respiratory diseases like COVID-19.</a:t>
-            </a:r>
-            <a:br>
-              <a:rPr lang="en" sz="1400"/>
-            </a:br>
+              <a:t> (natural or manmade) </a:t>
+            </a:r>
             <a:endParaRPr sz="1400"/>
           </a:p>
           <a:p>
             <a:pPr indent="-317500" lvl="0" marL="457200" rtl="0" algn="l">
+              <a:lnSpc>
+                <a:spcPct val="150000"/>
+              </a:lnSpc>
               <a:spcBef>
                 <a:spcPts val="0"/>
               </a:spcBef>
@@ -13675,7 +13716,59 @@
             </a:pPr>
             <a:r>
               <a:rPr lang="en" sz="1400"/>
-              <a:t>This challenge aims to predict daily PM2.5 concentrations for various cities without ground-based sensors.</a:t>
+              <a:t>Accurate PM2.5 tracking crucial - respiratory diseases (COVID-19), cardiovascular disease, cancer.</a:t>
+            </a:r>
+            <a:endParaRPr sz="1400"/>
+          </a:p>
+          <a:p>
+            <a:pPr indent="-317500" lvl="1" marL="914400" rtl="0" algn="l">
+              <a:lnSpc>
+                <a:spcPct val="150000"/>
+              </a:lnSpc>
+              <a:spcBef>
+                <a:spcPts val="0"/>
+              </a:spcBef>
+              <a:spcAft>
+                <a:spcPts val="0"/>
+              </a:spcAft>
+              <a:buSzPts val="1400"/>
+              <a:buChar char="○"/>
+            </a:pPr>
+            <a:r>
+              <a:rPr i="1" lang="en" sz="1000"/>
+              <a:t>Some regions</a:t>
+            </a:r>
+            <a:r>
+              <a:rPr i="1" lang="en" sz="1000"/>
+              <a:t> saw improved air quality during COVID-19 lockdowns, others, especially African cities, experienced worsening pollution.</a:t>
+            </a:r>
+            <a:endParaRPr sz="1400"/>
+          </a:p>
+          <a:p>
+            <a:pPr indent="-317500" lvl="0" marL="457200" rtl="0" algn="l">
+              <a:lnSpc>
+                <a:spcPct val="150000"/>
+              </a:lnSpc>
+              <a:spcBef>
+                <a:spcPts val="0"/>
+              </a:spcBef>
+              <a:spcAft>
+                <a:spcPts val="0"/>
+              </a:spcAft>
+              <a:buSzPts val="1400"/>
+              <a:buChar char="●"/>
+            </a:pPr>
+            <a:r>
+              <a:rPr lang="en" sz="1400"/>
+              <a:t>Data from ground-based sensors lacking across much of African </a:t>
+            </a:r>
+            <a:r>
+              <a:rPr lang="en" sz="1400"/>
+              <a:t>continent</a:t>
+            </a:r>
+            <a:r>
+              <a:rPr lang="en" sz="1400"/>
+              <a:t>. This challenge aims to predict daily PM2.5 concentrations for various cities without ground-based sensors.</a:t>
             </a:r>
             <a:endParaRPr sz="1400"/>
           </a:p>
@@ -13697,8 +13790,8 @@
         </p:blipFill>
         <p:spPr>
           <a:xfrm>
-            <a:off x="2067825" y="3085250"/>
-            <a:ext cx="4332774" cy="1843850"/>
+            <a:off x="2040294" y="2907200"/>
+            <a:ext cx="4499005" cy="2236299"/>
           </a:xfrm>
           <a:prstGeom prst="rect">
             <a:avLst/>
@@ -13717,8 +13810,8 @@
         </p:nvSpPr>
         <p:spPr>
           <a:xfrm>
-            <a:off x="76625" y="4852900"/>
-            <a:ext cx="3909300" cy="307800"/>
+            <a:off x="76625" y="4929100"/>
+            <a:ext cx="5422800" cy="276900"/>
           </a:xfrm>
           <a:prstGeom prst="rect">
             <a:avLst/>
@@ -13744,102 +13837,30 @@
               <a:buNone/>
             </a:pPr>
             <a:r>
-              <a:rPr lang="en" sz="800">
+              <a:rPr lang="en" sz="600">
                 <a:solidFill>
-                  <a:srgbClr val="222222"/>
+                  <a:schemeClr val="dk2"/>
                 </a:solidFill>
-                <a:highlight>
-                  <a:srgbClr val="FFFFFF"/>
-                </a:highlight>
-                <a:latin typeface="Roboto"/>
-                <a:ea typeface="Roboto"/>
-                <a:cs typeface="Roboto"/>
-                <a:sym typeface="Roboto"/>
               </a:rPr>
-              <a:t>Wei, J. </a:t>
-            </a:r>
-            <a:r>
-              <a:rPr i="1" lang="en" sz="800">
+              <a:t>Schroeder, C. C.. </a:t>
+            </a:r>
+            <a:r>
+              <a:rPr i="1" lang="en" sz="600">
                 <a:solidFill>
-                  <a:srgbClr val="222222"/>
+                  <a:schemeClr val="dk2"/>
                 </a:solidFill>
-                <a:latin typeface="Roboto"/>
-                <a:ea typeface="Roboto"/>
-                <a:cs typeface="Roboto"/>
-                <a:sym typeface="Roboto"/>
               </a:rPr>
-              <a:t>et al.</a:t>
-            </a:r>
-            <a:r>
-              <a:rPr lang="en" sz="800">
+              <a:t>Tackling Air Pollution in Africa With Data</a:t>
+            </a:r>
+            <a:r>
+              <a:rPr lang="en" sz="600">
                 <a:solidFill>
-                  <a:srgbClr val="222222"/>
+                  <a:schemeClr val="dk2"/>
                 </a:solidFill>
-                <a:highlight>
-                  <a:srgbClr val="FFFFFF"/>
-                </a:highlight>
-                <a:latin typeface="Roboto"/>
-                <a:ea typeface="Roboto"/>
-                <a:cs typeface="Roboto"/>
-                <a:sym typeface="Roboto"/>
               </a:rPr>
-              <a:t>. </a:t>
-            </a:r>
-            <a:r>
-              <a:rPr i="1" lang="en" sz="800">
-                <a:solidFill>
-                  <a:srgbClr val="222222"/>
-                </a:solidFill>
-                <a:latin typeface="Roboto"/>
-                <a:ea typeface="Roboto"/>
-                <a:cs typeface="Roboto"/>
-                <a:sym typeface="Roboto"/>
-              </a:rPr>
-              <a:t>Nat Commun</a:t>
-            </a:r>
-            <a:r>
-              <a:rPr lang="en" sz="800">
-                <a:solidFill>
-                  <a:srgbClr val="222222"/>
-                </a:solidFill>
-                <a:highlight>
-                  <a:srgbClr val="FFFFFF"/>
-                </a:highlight>
-                <a:latin typeface="Roboto"/>
-                <a:ea typeface="Roboto"/>
-                <a:cs typeface="Roboto"/>
-                <a:sym typeface="Roboto"/>
-              </a:rPr>
-              <a:t> </a:t>
-            </a:r>
-            <a:r>
-              <a:rPr lang="en" sz="800">
-                <a:solidFill>
-                  <a:srgbClr val="222222"/>
-                </a:solidFill>
-                <a:latin typeface="Roboto"/>
-                <a:ea typeface="Roboto"/>
-                <a:cs typeface="Roboto"/>
-                <a:sym typeface="Roboto"/>
-              </a:rPr>
-              <a:t>14</a:t>
-            </a:r>
-            <a:r>
-              <a:rPr lang="en" sz="800">
-                <a:solidFill>
-                  <a:srgbClr val="222222"/>
-                </a:solidFill>
-                <a:highlight>
-                  <a:srgbClr val="FFFFFF"/>
-                </a:highlight>
-                <a:latin typeface="Roboto"/>
-                <a:ea typeface="Roboto"/>
-                <a:cs typeface="Roboto"/>
-                <a:sym typeface="Roboto"/>
-              </a:rPr>
-              <a:t>, 8349 (2023).</a:t>
-            </a:r>
-            <a:endParaRPr sz="1000"/>
+              <a:t>. Think Global Health. 2024</a:t>
+            </a:r>
+            <a:endParaRPr sz="500"/>
           </a:p>
         </p:txBody>
       </p:sp>
@@ -14141,7 +14162,7 @@
                 <a:cs typeface="Helvetica Neue"/>
                 <a:sym typeface="Helvetica Neue"/>
               </a:rPr>
-              <a:t> (train set only) – providing daily mean, min, max, variance, and count of PM2.5 readings (μg/m</a:t>
+              <a:t> – providing daily mean, min, max, variance, and count of PM2.5 readings (μg/m</a:t>
             </a:r>
             <a:r>
               <a:rPr baseline="30000" lang="en">
@@ -14407,7 +14428,7 @@
         <p:spPr>
           <a:xfrm>
             <a:off x="396675" y="1190025"/>
-            <a:ext cx="8334900" cy="3408300"/>
+            <a:ext cx="8334900" cy="3663000"/>
           </a:xfrm>
           <a:prstGeom prst="rect">
             <a:avLst/>
@@ -14491,6 +14512,213 @@
             </a:endParaRPr>
           </a:p>
           <a:p>
+            <a:pPr indent="0" lvl="0" marL="0" rtl="0" algn="l">
+              <a:lnSpc>
+                <a:spcPct val="90000"/>
+              </a:lnSpc>
+              <a:spcBef>
+                <a:spcPts val="0"/>
+              </a:spcBef>
+              <a:spcAft>
+                <a:spcPts val="0"/>
+              </a:spcAft>
+              <a:buNone/>
+            </a:pPr>
+            <a:r>
+              <a:t/>
+            </a:r>
+            <a:endParaRPr>
+              <a:latin typeface="Helvetica Neue"/>
+              <a:ea typeface="Helvetica Neue"/>
+              <a:cs typeface="Helvetica Neue"/>
+              <a:sym typeface="Helvetica Neue"/>
+            </a:endParaRPr>
+          </a:p>
+          <a:p>
+            <a:pPr indent="0" lvl="0" marL="0" rtl="0" algn="l">
+              <a:lnSpc>
+                <a:spcPct val="90000"/>
+              </a:lnSpc>
+              <a:spcBef>
+                <a:spcPts val="0"/>
+              </a:spcBef>
+              <a:spcAft>
+                <a:spcPts val="0"/>
+              </a:spcAft>
+              <a:buNone/>
+            </a:pPr>
+            <a:r>
+              <a:t/>
+            </a:r>
+            <a:endParaRPr>
+              <a:latin typeface="Helvetica Neue"/>
+              <a:ea typeface="Helvetica Neue"/>
+              <a:cs typeface="Helvetica Neue"/>
+              <a:sym typeface="Helvetica Neue"/>
+            </a:endParaRPr>
+          </a:p>
+          <a:p>
+            <a:pPr indent="0" lvl="0" marL="0" rtl="0" algn="l">
+              <a:lnSpc>
+                <a:spcPct val="90000"/>
+              </a:lnSpc>
+              <a:spcBef>
+                <a:spcPts val="0"/>
+              </a:spcBef>
+              <a:spcAft>
+                <a:spcPts val="0"/>
+              </a:spcAft>
+              <a:buNone/>
+            </a:pPr>
+            <a:r>
+              <a:t/>
+            </a:r>
+            <a:endParaRPr>
+              <a:latin typeface="Helvetica Neue"/>
+              <a:ea typeface="Helvetica Neue"/>
+              <a:cs typeface="Helvetica Neue"/>
+              <a:sym typeface="Helvetica Neue"/>
+            </a:endParaRPr>
+          </a:p>
+          <a:p>
+            <a:pPr indent="0" lvl="0" marL="0" rtl="0" algn="l">
+              <a:lnSpc>
+                <a:spcPct val="90000"/>
+              </a:lnSpc>
+              <a:spcBef>
+                <a:spcPts val="0"/>
+              </a:spcBef>
+              <a:spcAft>
+                <a:spcPts val="0"/>
+              </a:spcAft>
+              <a:buNone/>
+            </a:pPr>
+            <a:r>
+              <a:t/>
+            </a:r>
+            <a:endParaRPr>
+              <a:latin typeface="Helvetica Neue"/>
+              <a:ea typeface="Helvetica Neue"/>
+              <a:cs typeface="Helvetica Neue"/>
+              <a:sym typeface="Helvetica Neue"/>
+            </a:endParaRPr>
+          </a:p>
+          <a:p>
+            <a:pPr indent="0" lvl="0" marL="0" rtl="0" algn="l">
+              <a:lnSpc>
+                <a:spcPct val="90000"/>
+              </a:lnSpc>
+              <a:spcBef>
+                <a:spcPts val="0"/>
+              </a:spcBef>
+              <a:spcAft>
+                <a:spcPts val="0"/>
+              </a:spcAft>
+              <a:buNone/>
+            </a:pPr>
+            <a:r>
+              <a:t/>
+            </a:r>
+            <a:endParaRPr>
+              <a:latin typeface="Helvetica Neue"/>
+              <a:ea typeface="Helvetica Neue"/>
+              <a:cs typeface="Helvetica Neue"/>
+              <a:sym typeface="Helvetica Neue"/>
+            </a:endParaRPr>
+          </a:p>
+          <a:p>
+            <a:pPr indent="0" lvl="0" marL="0" rtl="0" algn="l">
+              <a:lnSpc>
+                <a:spcPct val="90000"/>
+              </a:lnSpc>
+              <a:spcBef>
+                <a:spcPts val="0"/>
+              </a:spcBef>
+              <a:spcAft>
+                <a:spcPts val="0"/>
+              </a:spcAft>
+              <a:buNone/>
+            </a:pPr>
+            <a:r>
+              <a:t/>
+            </a:r>
+            <a:endParaRPr>
+              <a:latin typeface="Helvetica Neue"/>
+              <a:ea typeface="Helvetica Neue"/>
+              <a:cs typeface="Helvetica Neue"/>
+              <a:sym typeface="Helvetica Neue"/>
+            </a:endParaRPr>
+          </a:p>
+          <a:p>
+            <a:pPr indent="0" lvl="0" marL="0" rtl="0" algn="l">
+              <a:lnSpc>
+                <a:spcPct val="90000"/>
+              </a:lnSpc>
+              <a:spcBef>
+                <a:spcPts val="0"/>
+              </a:spcBef>
+              <a:spcAft>
+                <a:spcPts val="0"/>
+              </a:spcAft>
+              <a:buNone/>
+            </a:pPr>
+            <a:r>
+              <a:t/>
+            </a:r>
+            <a:endParaRPr>
+              <a:latin typeface="Helvetica Neue"/>
+              <a:ea typeface="Helvetica Neue"/>
+              <a:cs typeface="Helvetica Neue"/>
+              <a:sym typeface="Helvetica Neue"/>
+            </a:endParaRPr>
+          </a:p>
+          <a:p>
+            <a:pPr indent="0" lvl="0" marL="0" rtl="0" algn="l">
+              <a:lnSpc>
+                <a:spcPct val="90000"/>
+              </a:lnSpc>
+              <a:spcBef>
+                <a:spcPts val="0"/>
+              </a:spcBef>
+              <a:spcAft>
+                <a:spcPts val="0"/>
+              </a:spcAft>
+              <a:buNone/>
+            </a:pPr>
+            <a:r>
+              <a:t/>
+            </a:r>
+            <a:endParaRPr>
+              <a:latin typeface="Helvetica Neue"/>
+              <a:ea typeface="Helvetica Neue"/>
+              <a:cs typeface="Helvetica Neue"/>
+              <a:sym typeface="Helvetica Neue"/>
+            </a:endParaRPr>
+          </a:p>
+          <a:p>
+            <a:pPr indent="0" lvl="0" marL="0" rtl="0" algn="l">
+              <a:lnSpc>
+                <a:spcPct val="90000"/>
+              </a:lnSpc>
+              <a:spcBef>
+                <a:spcPts val="0"/>
+              </a:spcBef>
+              <a:spcAft>
+                <a:spcPts val="0"/>
+              </a:spcAft>
+              <a:buNone/>
+            </a:pPr>
+            <a:r>
+              <a:t/>
+            </a:r>
+            <a:endParaRPr>
+              <a:latin typeface="Helvetica Neue"/>
+              <a:ea typeface="Helvetica Neue"/>
+              <a:cs typeface="Helvetica Neue"/>
+              <a:sym typeface="Helvetica Neue"/>
+            </a:endParaRPr>
+          </a:p>
+          <a:p>
             <a:pPr indent="-342900" lvl="0" marL="457200" rtl="0" algn="l">
               <a:lnSpc>
                 <a:spcPct val="90000"/>
@@ -14513,36 +14741,6 @@
                 <a:sym typeface="Helvetica Neue"/>
               </a:rPr>
               <a:t>Missing data points</a:t>
-            </a:r>
-            <a:endParaRPr/>
-          </a:p>
-          <a:p>
-            <a:pPr indent="0" lvl="0" marL="0" rtl="0" algn="l">
-              <a:spcBef>
-                <a:spcPts val="0"/>
-              </a:spcBef>
-              <a:spcAft>
-                <a:spcPts val="0"/>
-              </a:spcAft>
-              <a:buNone/>
-            </a:pPr>
-            <a:r>
-              <a:t/>
-            </a:r>
-            <a:endParaRPr b="1"/>
-          </a:p>
-          <a:p>
-            <a:pPr indent="0" lvl="0" marL="0" rtl="0" algn="l">
-              <a:spcBef>
-                <a:spcPts val="1200"/>
-              </a:spcBef>
-              <a:spcAft>
-                <a:spcPts val="1200"/>
-              </a:spcAft>
-              <a:buNone/>
-            </a:pPr>
-            <a:r>
-              <a:t/>
             </a:r>
             <a:endParaRPr>
               <a:latin typeface="Helvetica Neue"/>
@@ -14569,8 +14767,8 @@
         </p:blipFill>
         <p:spPr>
           <a:xfrm>
-            <a:off x="1574075" y="2452925"/>
-            <a:ext cx="5517874" cy="2333325"/>
+            <a:off x="2285700" y="1771850"/>
+            <a:ext cx="4829901" cy="2042400"/>
           </a:xfrm>
           <a:prstGeom prst="rect">
             <a:avLst/>
@@ -14846,7 +15044,7 @@
             <a:tbl>
               <a:tblPr>
                 <a:noFill/>
-                <a:tableStyleId>{4E3A3A12-EC15-454F-A0A6-0C581D6EFC69}</a:tableStyleId>
+                <a:tableStyleId>{57B27BC3-087C-4DF7-AC5F-DAC4CC034270}</a:tableStyleId>
               </a:tblPr>
               <a:tblGrid>
                 <a:gridCol w="1210800"/>
@@ -16147,6 +16345,285 @@
 </file>
 
 <file path=ppt/theme/theme1.xml><?xml version="1.0" encoding="utf-8"?>
+<a:theme xmlns:a="http://schemas.openxmlformats.org/drawingml/2006/main" xmlns:r="http://schemas.openxmlformats.org/officeDocument/2006/relationships">
+  <a:themeElements>
+    <a:clrScheme name="Default">
+      <a:dk1>
+        <a:srgbClr val="000000"/>
+      </a:dk1>
+      <a:lt1>
+        <a:srgbClr val="FFFFFF"/>
+      </a:lt1>
+      <a:dk2>
+        <a:srgbClr val="158158"/>
+      </a:dk2>
+      <a:lt2>
+        <a:srgbClr val="F3F3F3"/>
+      </a:lt2>
+      <a:accent1>
+        <a:srgbClr val="058DC7"/>
+      </a:accent1>
+      <a:accent2>
+        <a:srgbClr val="50B432"/>
+      </a:accent2>
+      <a:accent3>
+        <a:srgbClr val="ED561B"/>
+      </a:accent3>
+      <a:accent4>
+        <a:srgbClr val="EDEF00"/>
+      </a:accent4>
+      <a:accent5>
+        <a:srgbClr val="24CBE5"/>
+      </a:accent5>
+      <a:accent6>
+        <a:srgbClr val="64E572"/>
+      </a:accent6>
+      <a:hlink>
+        <a:srgbClr val="2200CC"/>
+      </a:hlink>
+      <a:folHlink>
+        <a:srgbClr val="551A8B"/>
+      </a:folHlink>
+    </a:clrScheme>
+    <a:fontScheme name="Office">
+      <a:majorFont>
+        <a:latin typeface="Arial"/>
+        <a:ea typeface=""/>
+        <a:cs typeface=""/>
+        <a:font script="Jpan" typeface="ＭＳ Ｐゴシック"/>
+        <a:font script="Hang" typeface="맑은 고딕"/>
+        <a:font script="Hans" typeface="宋体"/>
+        <a:font script="Hant" typeface="新細明體"/>
+        <a:font script="Arab" typeface="Times New Roman"/>
+        <a:font script="Hebr" typeface="Times New Roman"/>
+        <a:font script="Thai" typeface="Angsana New"/>
+        <a:font script="Ethi" typeface="Nyala"/>
+        <a:font script="Beng" typeface="Vrinda"/>
+        <a:font script="Gujr" typeface="Shruti"/>
+        <a:font script="Khmr" typeface="MoolBoran"/>
+        <a:font script="Knda" typeface="Tunga"/>
+        <a:font script="Guru" typeface="Raavi"/>
+        <a:font script="Cans" typeface="Euphemia"/>
+        <a:font script="Cher" typeface="Plantagenet Cherokee"/>
+        <a:font script="Yiii" typeface="Microsoft Yi Baiti"/>
+        <a:font script="Tibt" typeface="Microsoft Himalaya"/>
+        <a:font script="Thaa" typeface="MV Boli"/>
+        <a:font script="Deva" typeface="Mangal"/>
+        <a:font script="Telu" typeface="Gautami"/>
+        <a:font script="Taml" typeface="Latha"/>
+        <a:font script="Syrc" typeface="Estrangelo Edessa"/>
+        <a:font script="Orya" typeface="Kalinga"/>
+        <a:font script="Mlym" typeface="Kartika"/>
+        <a:font script="Laoo" typeface="DokChampa"/>
+        <a:font script="Sinh" typeface="Iskoola Pota"/>
+        <a:font script="Mong" typeface="Mongolian Baiti"/>
+        <a:font script="Viet" typeface="Times New Roman"/>
+        <a:font script="Uigh" typeface="Microsoft Uighur"/>
+        <a:font script="Geor" typeface="Sylfaen"/>
+      </a:majorFont>
+      <a:minorFont>
+        <a:latin typeface="Arial"/>
+        <a:ea typeface=""/>
+        <a:cs typeface=""/>
+        <a:font script="Jpan" typeface="ＭＳ Ｐゴシック"/>
+        <a:font script="Hang" typeface="맑은 고딕"/>
+        <a:font script="Hans" typeface="宋体"/>
+        <a:font script="Hant" typeface="新細明體"/>
+        <a:font script="Arab" typeface="Arial"/>
+        <a:font script="Hebr" typeface="Arial"/>
+        <a:font script="Thai" typeface="Cordia New"/>
+        <a:font script="Ethi" typeface="Nyala"/>
+        <a:font script="Beng" typeface="Vrinda"/>
+        <a:font script="Gujr" typeface="Shruti"/>
+        <a:font script="Khmr" typeface="DaunPenh"/>
+        <a:font script="Knda" typeface="Tunga"/>
+        <a:font script="Guru" typeface="Raavi"/>
+        <a:font script="Cans" typeface="Euphemia"/>
+        <a:font script="Cher" typeface="Plantagenet Cherokee"/>
+        <a:font script="Yiii" typeface="Microsoft Yi Baiti"/>
+        <a:font script="Tibt" typeface="Microsoft Himalaya"/>
+        <a:font script="Thaa" typeface="MV Boli"/>
+        <a:font script="Deva" typeface="Mangal"/>
+        <a:font script="Telu" typeface="Gautami"/>
+        <a:font script="Taml" typeface="Latha"/>
+        <a:font script="Syrc" typeface="Estrangelo Edessa"/>
+        <a:font script="Orya" typeface="Kalinga"/>
+        <a:font script="Mlym" typeface="Kartika"/>
+        <a:font script="Laoo" typeface="DokChampa"/>
+        <a:font script="Sinh" typeface="Iskoola Pota"/>
+        <a:font script="Mong" typeface="Mongolian Baiti"/>
+        <a:font script="Viet" typeface="Arial"/>
+        <a:font script="Uigh" typeface="Microsoft Uighur"/>
+        <a:font script="Geor" typeface="Sylfaen"/>
+      </a:minorFont>
+    </a:fontScheme>
+    <a:fmtScheme name="Office">
+      <a:fillStyleLst>
+        <a:solidFill>
+          <a:schemeClr val="phClr"/>
+        </a:solidFill>
+        <a:gradFill rotWithShape="1">
+          <a:gsLst>
+            <a:gs pos="0">
+              <a:schemeClr val="phClr">
+                <a:tint val="50000"/>
+                <a:satMod val="300000"/>
+              </a:schemeClr>
+            </a:gs>
+            <a:gs pos="35000">
+              <a:schemeClr val="phClr">
+                <a:tint val="37000"/>
+                <a:satMod val="300000"/>
+              </a:schemeClr>
+            </a:gs>
+            <a:gs pos="100000">
+              <a:schemeClr val="phClr">
+                <a:tint val="15000"/>
+                <a:satMod val="350000"/>
+              </a:schemeClr>
+            </a:gs>
+          </a:gsLst>
+          <a:lin ang="16200000" scaled="1"/>
+        </a:gradFill>
+        <a:gradFill rotWithShape="1">
+          <a:gsLst>
+            <a:gs pos="0">
+              <a:schemeClr val="phClr">
+                <a:tint val="100000"/>
+                <a:shade val="100000"/>
+                <a:satMod val="130000"/>
+              </a:schemeClr>
+            </a:gs>
+            <a:gs pos="100000">
+              <a:schemeClr val="phClr">
+                <a:tint val="50000"/>
+                <a:shade val="100000"/>
+                <a:satMod val="350000"/>
+              </a:schemeClr>
+            </a:gs>
+          </a:gsLst>
+          <a:lin ang="16200000" scaled="0"/>
+        </a:gradFill>
+      </a:fillStyleLst>
+      <a:lnStyleLst>
+        <a:ln w="9525" cap="flat" cmpd="sng" algn="ctr">
+          <a:solidFill>
+            <a:schemeClr val="phClr">
+              <a:shade val="95000"/>
+              <a:satMod val="105000"/>
+            </a:schemeClr>
+          </a:solidFill>
+          <a:prstDash val="solid"/>
+        </a:ln>
+        <a:ln w="25400" cap="flat" cmpd="sng" algn="ctr">
+          <a:solidFill>
+            <a:schemeClr val="phClr"/>
+          </a:solidFill>
+          <a:prstDash val="solid"/>
+        </a:ln>
+        <a:ln w="38100" cap="flat" cmpd="sng" algn="ctr">
+          <a:solidFill>
+            <a:schemeClr val="phClr"/>
+          </a:solidFill>
+          <a:prstDash val="solid"/>
+        </a:ln>
+      </a:lnStyleLst>
+      <a:effectStyleLst>
+        <a:effectStyle>
+          <a:effectLst>
+            <a:outerShdw blurRad="40000" dist="20000" dir="5400000" rotWithShape="0">
+              <a:srgbClr val="000000">
+                <a:alpha val="38000"/>
+              </a:srgbClr>
+            </a:outerShdw>
+          </a:effectLst>
+        </a:effectStyle>
+        <a:effectStyle>
+          <a:effectLst>
+            <a:outerShdw blurRad="40000" dist="23000" dir="5400000" rotWithShape="0">
+              <a:srgbClr val="000000">
+                <a:alpha val="35000"/>
+              </a:srgbClr>
+            </a:outerShdw>
+          </a:effectLst>
+        </a:effectStyle>
+        <a:effectStyle>
+          <a:effectLst>
+            <a:outerShdw blurRad="40000" dist="23000" dir="5400000" rotWithShape="0">
+              <a:srgbClr val="000000">
+                <a:alpha val="35000"/>
+              </a:srgbClr>
+            </a:outerShdw>
+          </a:effectLst>
+          <a:scene3d>
+            <a:camera prst="orthographicFront">
+              <a:rot lat="0" lon="0" rev="0"/>
+            </a:camera>
+            <a:lightRig rig="threePt" dir="t">
+              <a:rot lat="0" lon="0" rev="1200000"/>
+            </a:lightRig>
+          </a:scene3d>
+          <a:sp3d>
+            <a:bevelT w="63500" h="25400"/>
+          </a:sp3d>
+        </a:effectStyle>
+      </a:effectStyleLst>
+      <a:bgFillStyleLst>
+        <a:solidFill>
+          <a:schemeClr val="phClr"/>
+        </a:solidFill>
+        <a:gradFill rotWithShape="1">
+          <a:gsLst>
+            <a:gs pos="0">
+              <a:schemeClr val="phClr">
+                <a:tint val="40000"/>
+                <a:satMod val="350000"/>
+              </a:schemeClr>
+            </a:gs>
+            <a:gs pos="40000">
+              <a:schemeClr val="phClr">
+                <a:tint val="45000"/>
+                <a:shade val="99000"/>
+                <a:satMod val="350000"/>
+              </a:schemeClr>
+            </a:gs>
+            <a:gs pos="100000">
+              <a:schemeClr val="phClr">
+                <a:shade val="20000"/>
+                <a:satMod val="255000"/>
+              </a:schemeClr>
+            </a:gs>
+          </a:gsLst>
+          <a:path path="circle">
+            <a:fillToRect l="50000" t="-80000" r="50000" b="180000"/>
+          </a:path>
+        </a:gradFill>
+        <a:gradFill rotWithShape="1">
+          <a:gsLst>
+            <a:gs pos="0">
+              <a:schemeClr val="phClr">
+                <a:tint val="80000"/>
+                <a:satMod val="300000"/>
+              </a:schemeClr>
+            </a:gs>
+            <a:gs pos="100000">
+              <a:schemeClr val="phClr">
+                <a:shade val="30000"/>
+                <a:satMod val="200000"/>
+              </a:schemeClr>
+            </a:gs>
+          </a:gsLst>
+          <a:path path="circle">
+            <a:fillToRect l="50000" t="50000" r="50000" b="50000"/>
+          </a:path>
+        </a:gradFill>
+      </a:bgFillStyleLst>
+    </a:fmtScheme>
+  </a:themeElements>
+</a:theme>
+</file>
+
+<file path=ppt/theme/theme2.xml><?xml version="1.0" encoding="utf-8"?>
 <a:theme xmlns:a="http://schemas.openxmlformats.org/drawingml/2006/main" xmlns:r="http://schemas.openxmlformats.org/officeDocument/2006/relationships" name="Swiss">
   <a:themeElements>
     <a:clrScheme name="Swiss">
@@ -16423,283 +16900,4 @@
     </a:fmtScheme>
   </a:themeElements>
 </a:theme>
-</file>
-
-<file path=ppt/theme/theme2.xml><?xml version="1.0" encoding="utf-8"?>
-<a:theme xmlns:a="http://schemas.openxmlformats.org/drawingml/2006/main" xmlns:r="http://schemas.openxmlformats.org/officeDocument/2006/relationships">
-  <a:themeElements>
-    <a:clrScheme name="Default">
-      <a:dk1>
-        <a:srgbClr val="000000"/>
-      </a:dk1>
-      <a:lt1>
-        <a:srgbClr val="FFFFFF"/>
-      </a:lt1>
-      <a:dk2>
-        <a:srgbClr val="158158"/>
-      </a:dk2>
-      <a:lt2>
-        <a:srgbClr val="F3F3F3"/>
-      </a:lt2>
-      <a:accent1>
-        <a:srgbClr val="058DC7"/>
-      </a:accent1>
-      <a:accent2>
-        <a:srgbClr val="50B432"/>
-      </a:accent2>
-      <a:accent3>
-        <a:srgbClr val="ED561B"/>
-      </a:accent3>
-      <a:accent4>
-        <a:srgbClr val="EDEF00"/>
-      </a:accent4>
-      <a:accent5>
-        <a:srgbClr val="24CBE5"/>
-      </a:accent5>
-      <a:accent6>
-        <a:srgbClr val="64E572"/>
-      </a:accent6>
-      <a:hlink>
-        <a:srgbClr val="2200CC"/>
-      </a:hlink>
-      <a:folHlink>
-        <a:srgbClr val="551A8B"/>
-      </a:folHlink>
-    </a:clrScheme>
-    <a:fontScheme name="Office">
-      <a:majorFont>
-        <a:latin typeface="Arial"/>
-        <a:ea typeface=""/>
-        <a:cs typeface=""/>
-        <a:font script="Jpan" typeface="ＭＳ Ｐゴシック"/>
-        <a:font script="Hang" typeface="맑은 고딕"/>
-        <a:font script="Hans" typeface="宋体"/>
-        <a:font script="Hant" typeface="新細明體"/>
-        <a:font script="Arab" typeface="Times New Roman"/>
-        <a:font script="Hebr" typeface="Times New Roman"/>
-        <a:font script="Thai" typeface="Angsana New"/>
-        <a:font script="Ethi" typeface="Nyala"/>
-        <a:font script="Beng" typeface="Vrinda"/>
-        <a:font script="Gujr" typeface="Shruti"/>
-        <a:font script="Khmr" typeface="MoolBoran"/>
-        <a:font script="Knda" typeface="Tunga"/>
-        <a:font script="Guru" typeface="Raavi"/>
-        <a:font script="Cans" typeface="Euphemia"/>
-        <a:font script="Cher" typeface="Plantagenet Cherokee"/>
-        <a:font script="Yiii" typeface="Microsoft Yi Baiti"/>
-        <a:font script="Tibt" typeface="Microsoft Himalaya"/>
-        <a:font script="Thaa" typeface="MV Boli"/>
-        <a:font script="Deva" typeface="Mangal"/>
-        <a:font script="Telu" typeface="Gautami"/>
-        <a:font script="Taml" typeface="Latha"/>
-        <a:font script="Syrc" typeface="Estrangelo Edessa"/>
-        <a:font script="Orya" typeface="Kalinga"/>
-        <a:font script="Mlym" typeface="Kartika"/>
-        <a:font script="Laoo" typeface="DokChampa"/>
-        <a:font script="Sinh" typeface="Iskoola Pota"/>
-        <a:font script="Mong" typeface="Mongolian Baiti"/>
-        <a:font script="Viet" typeface="Times New Roman"/>
-        <a:font script="Uigh" typeface="Microsoft Uighur"/>
-        <a:font script="Geor" typeface="Sylfaen"/>
-      </a:majorFont>
-      <a:minorFont>
-        <a:latin typeface="Arial"/>
-        <a:ea typeface=""/>
-        <a:cs typeface=""/>
-        <a:font script="Jpan" typeface="ＭＳ Ｐゴシック"/>
-        <a:font script="Hang" typeface="맑은 고딕"/>
-        <a:font script="Hans" typeface="宋体"/>
-        <a:font script="Hant" typeface="新細明體"/>
-        <a:font script="Arab" typeface="Arial"/>
-        <a:font script="Hebr" typeface="Arial"/>
-        <a:font script="Thai" typeface="Cordia New"/>
-        <a:font script="Ethi" typeface="Nyala"/>
-        <a:font script="Beng" typeface="Vrinda"/>
-        <a:font script="Gujr" typeface="Shruti"/>
-        <a:font script="Khmr" typeface="DaunPenh"/>
-        <a:font script="Knda" typeface="Tunga"/>
-        <a:font script="Guru" typeface="Raavi"/>
-        <a:font script="Cans" typeface="Euphemia"/>
-        <a:font script="Cher" typeface="Plantagenet Cherokee"/>
-        <a:font script="Yiii" typeface="Microsoft Yi Baiti"/>
-        <a:font script="Tibt" typeface="Microsoft Himalaya"/>
-        <a:font script="Thaa" typeface="MV Boli"/>
-        <a:font script="Deva" typeface="Mangal"/>
-        <a:font script="Telu" typeface="Gautami"/>
-        <a:font script="Taml" typeface="Latha"/>
-        <a:font script="Syrc" typeface="Estrangelo Edessa"/>
-        <a:font script="Orya" typeface="Kalinga"/>
-        <a:font script="Mlym" typeface="Kartika"/>
-        <a:font script="Laoo" typeface="DokChampa"/>
-        <a:font script="Sinh" typeface="Iskoola Pota"/>
-        <a:font script="Mong" typeface="Mongolian Baiti"/>
-        <a:font script="Viet" typeface="Arial"/>
-        <a:font script="Uigh" typeface="Microsoft Uighur"/>
-        <a:font script="Geor" typeface="Sylfaen"/>
-      </a:minorFont>
-    </a:fontScheme>
-    <a:fmtScheme name="Office">
-      <a:fillStyleLst>
-        <a:solidFill>
-          <a:schemeClr val="phClr"/>
-        </a:solidFill>
-        <a:gradFill rotWithShape="1">
-          <a:gsLst>
-            <a:gs pos="0">
-              <a:schemeClr val="phClr">
-                <a:tint val="50000"/>
-                <a:satMod val="300000"/>
-              </a:schemeClr>
-            </a:gs>
-            <a:gs pos="35000">
-              <a:schemeClr val="phClr">
-                <a:tint val="37000"/>
-                <a:satMod val="300000"/>
-              </a:schemeClr>
-            </a:gs>
-            <a:gs pos="100000">
-              <a:schemeClr val="phClr">
-                <a:tint val="15000"/>
-                <a:satMod val="350000"/>
-              </a:schemeClr>
-            </a:gs>
-          </a:gsLst>
-          <a:lin ang="16200000" scaled="1"/>
-        </a:gradFill>
-        <a:gradFill rotWithShape="1">
-          <a:gsLst>
-            <a:gs pos="0">
-              <a:schemeClr val="phClr">
-                <a:tint val="100000"/>
-                <a:shade val="100000"/>
-                <a:satMod val="130000"/>
-              </a:schemeClr>
-            </a:gs>
-            <a:gs pos="100000">
-              <a:schemeClr val="phClr">
-                <a:tint val="50000"/>
-                <a:shade val="100000"/>
-                <a:satMod val="350000"/>
-              </a:schemeClr>
-            </a:gs>
-          </a:gsLst>
-          <a:lin ang="16200000" scaled="0"/>
-        </a:gradFill>
-      </a:fillStyleLst>
-      <a:lnStyleLst>
-        <a:ln w="9525" cap="flat" cmpd="sng" algn="ctr">
-          <a:solidFill>
-            <a:schemeClr val="phClr">
-              <a:shade val="95000"/>
-              <a:satMod val="105000"/>
-            </a:schemeClr>
-          </a:solidFill>
-          <a:prstDash val="solid"/>
-        </a:ln>
-        <a:ln w="25400" cap="flat" cmpd="sng" algn="ctr">
-          <a:solidFill>
-            <a:schemeClr val="phClr"/>
-          </a:solidFill>
-          <a:prstDash val="solid"/>
-        </a:ln>
-        <a:ln w="38100" cap="flat" cmpd="sng" algn="ctr">
-          <a:solidFill>
-            <a:schemeClr val="phClr"/>
-          </a:solidFill>
-          <a:prstDash val="solid"/>
-        </a:ln>
-      </a:lnStyleLst>
-      <a:effectStyleLst>
-        <a:effectStyle>
-          <a:effectLst>
-            <a:outerShdw blurRad="40000" dist="20000" dir="5400000" rotWithShape="0">
-              <a:srgbClr val="000000">
-                <a:alpha val="38000"/>
-              </a:srgbClr>
-            </a:outerShdw>
-          </a:effectLst>
-        </a:effectStyle>
-        <a:effectStyle>
-          <a:effectLst>
-            <a:outerShdw blurRad="40000" dist="23000" dir="5400000" rotWithShape="0">
-              <a:srgbClr val="000000">
-                <a:alpha val="35000"/>
-              </a:srgbClr>
-            </a:outerShdw>
-          </a:effectLst>
-        </a:effectStyle>
-        <a:effectStyle>
-          <a:effectLst>
-            <a:outerShdw blurRad="40000" dist="23000" dir="5400000" rotWithShape="0">
-              <a:srgbClr val="000000">
-                <a:alpha val="35000"/>
-              </a:srgbClr>
-            </a:outerShdw>
-          </a:effectLst>
-          <a:scene3d>
-            <a:camera prst="orthographicFront">
-              <a:rot lat="0" lon="0" rev="0"/>
-            </a:camera>
-            <a:lightRig rig="threePt" dir="t">
-              <a:rot lat="0" lon="0" rev="1200000"/>
-            </a:lightRig>
-          </a:scene3d>
-          <a:sp3d>
-            <a:bevelT w="63500" h="25400"/>
-          </a:sp3d>
-        </a:effectStyle>
-      </a:effectStyleLst>
-      <a:bgFillStyleLst>
-        <a:solidFill>
-          <a:schemeClr val="phClr"/>
-        </a:solidFill>
-        <a:gradFill rotWithShape="1">
-          <a:gsLst>
-            <a:gs pos="0">
-              <a:schemeClr val="phClr">
-                <a:tint val="40000"/>
-                <a:satMod val="350000"/>
-              </a:schemeClr>
-            </a:gs>
-            <a:gs pos="40000">
-              <a:schemeClr val="phClr">
-                <a:tint val="45000"/>
-                <a:shade val="99000"/>
-                <a:satMod val="350000"/>
-              </a:schemeClr>
-            </a:gs>
-            <a:gs pos="100000">
-              <a:schemeClr val="phClr">
-                <a:shade val="20000"/>
-                <a:satMod val="255000"/>
-              </a:schemeClr>
-            </a:gs>
-          </a:gsLst>
-          <a:path path="circle">
-            <a:fillToRect l="50000" t="-80000" r="50000" b="180000"/>
-          </a:path>
-        </a:gradFill>
-        <a:gradFill rotWithShape="1">
-          <a:gsLst>
-            <a:gs pos="0">
-              <a:schemeClr val="phClr">
-                <a:tint val="80000"/>
-                <a:satMod val="300000"/>
-              </a:schemeClr>
-            </a:gs>
-            <a:gs pos="100000">
-              <a:schemeClr val="phClr">
-                <a:shade val="30000"/>
-                <a:satMod val="200000"/>
-              </a:schemeClr>
-            </a:gs>
-          </a:gsLst>
-          <a:path path="circle">
-            <a:fillToRect l="50000" t="50000" r="50000" b="50000"/>
-          </a:path>
-        </a:gradFill>
-      </a:bgFillStyleLst>
-    </a:fmtScheme>
-  </a:themeElements>
-</a:theme>
 </file>